--- a/translations/en-us/CoreValues/TeamName.pptx
+++ b/translations/en-us/CoreValues/TeamName.pptx
@@ -203,7 +203,7 @@
           <a:p>
             <a:fld id="{C528CD71-4833-D241-9C24-E07BA428460D}" type="datetimeFigureOut">
               <a:rPr lang="en-US" smtClean="0"/>
-              <a:t>7/9/21</a:t>
+              <a:t>5/29/23</a:t>
             </a:fld>
             <a:endParaRPr lang="en-US"/>
           </a:p>
@@ -901,9 +901,9 @@
           <a:bodyPr/>
           <a:lstStyle/>
           <a:p>
-            <a:fld id="{C647DF5E-1337-EC4C-8CA7-FA7CEC0966CA}" type="datetime1">
+            <a:fld id="{3A4AE9D7-5160-3643-8FD6-ACFE3295F6CB}" type="datetime1">
               <a:rPr lang="en-US" smtClean="0"/>
-              <a:t>7/9/21</a:t>
+              <a:t>5/29/23</a:t>
             </a:fld>
             <a:endParaRPr lang="en-US" dirty="0"/>
           </a:p>
@@ -934,7 +934,7 @@
           <a:p>
             <a:r>
               <a:rPr lang="en-US"/>
-              <a:t>Copyright 2021, FLLTutorials.com</a:t>
+              <a:t>Copyright 2023, FLLTutorials.com. Last edit 5/29/2023</a:t>
             </a:r>
             <a:endParaRPr lang="en-US" dirty="0"/>
           </a:p>
@@ -1160,9 +1160,9 @@
             </a:lvl1pPr>
           </a:lstStyle>
           <a:p>
-            <a:fld id="{55353D21-080C-4D44-8D11-3C6BB0225BCE}" type="datetime1">
+            <a:fld id="{1F751BFD-5454-FC49-9D73-8BF4FFF5C853}" type="datetime1">
               <a:rPr lang="en-US" smtClean="0"/>
-              <a:t>7/9/21</a:t>
+              <a:t>5/29/23</a:t>
             </a:fld>
             <a:endParaRPr lang="en-US" dirty="0"/>
           </a:p>
@@ -1193,7 +1193,7 @@
           <a:p>
             <a:r>
               <a:rPr lang="en-US"/>
-              <a:t>Copyright 2021, FLLTutorials.com</a:t>
+              <a:t>Copyright 2023, FLLTutorials.com. Last edit 5/29/2023</a:t>
             </a:r>
             <a:endParaRPr lang="en-US" dirty="0"/>
           </a:p>
@@ -1455,9 +1455,9 @@
               <a:rPr lang="en-US"/>
               <a:t>: </a:t>
             </a:r>
-            <a:fld id="{BC4CB9FC-C8C7-1344-82BE-1A105368013D}" type="datetime1">
+            <a:fld id="{D259EDA5-3982-774E-94E9-7B76A26C105B}" type="datetime1">
               <a:rPr lang="en-US" smtClean="0"/>
-              <a:t>7/9/21</a:t>
+              <a:t>5/29/23</a:t>
             </a:fld>
             <a:endParaRPr lang="en-US" dirty="0"/>
           </a:p>
@@ -1502,7 +1502,7 @@
           <a:p>
             <a:r>
               <a:rPr lang="en-US"/>
-              <a:t>Copyright 2021, FLLTutorials.com</a:t>
+              <a:t>Copyright 2023, FLLTutorials.com. Last edit 5/29/2023</a:t>
             </a:r>
             <a:endParaRPr lang="en-US" dirty="0"/>
           </a:p>
@@ -1911,7 +1911,7 @@
             <a:fld id="{B61BEF0D-F0BB-DE4B-95CE-6DB70DBA9567}" type="datetimeFigureOut">
               <a:rPr lang="en-US" smtClean="0"/>
               <a:pPr/>
-              <a:t>7/9/21</a:t>
+              <a:t>5/29/23</a:t>
             </a:fld>
             <a:endParaRPr lang="en-US" dirty="0"/>
           </a:p>
@@ -2415,9 +2415,9 @@
           <a:bodyPr/>
           <a:lstStyle/>
           <a:p>
-            <a:fld id="{02CD9E9F-C349-9341-879A-FA6D1C486BDC}" type="datetime1">
+            <a:fld id="{BEF07CED-4402-CC45-BB63-13CCF01D9967}" type="datetime1">
               <a:rPr lang="en-US" smtClean="0"/>
-              <a:t>7/9/21</a:t>
+              <a:t>5/29/23</a:t>
             </a:fld>
             <a:endParaRPr lang="en-US" dirty="0"/>
           </a:p>
@@ -2448,7 +2448,7 @@
           <a:p>
             <a:r>
               <a:rPr lang="en-US"/>
-              <a:t>Copyright 2021, FLLTutorials.com</a:t>
+              <a:t>Copyright 2023, FLLTutorials.com. Last edit 5/29/2023</a:t>
             </a:r>
             <a:endParaRPr lang="en-US" dirty="0"/>
           </a:p>
@@ -2865,9 +2865,9 @@
           <a:bodyPr/>
           <a:lstStyle/>
           <a:p>
-            <a:fld id="{A3D89214-8A44-FC49-8F44-237794C6E57F}" type="datetime1">
+            <a:fld id="{1D3119FF-EC09-544E-9EB9-689DCCB333FF}" type="datetime1">
               <a:rPr lang="en-US" smtClean="0"/>
-              <a:t>7/9/21</a:t>
+              <a:t>5/29/23</a:t>
             </a:fld>
             <a:endParaRPr lang="en-US" dirty="0"/>
           </a:p>
@@ -2898,7 +2898,7 @@
           <a:p>
             <a:r>
               <a:rPr lang="en-US"/>
-              <a:t>Copyright 2021, FLLTutorials.com</a:t>
+              <a:t>Copyright 2023, FLLTutorials.com. Last edit 5/29/2023</a:t>
             </a:r>
             <a:endParaRPr lang="en-US" dirty="0"/>
           </a:p>
@@ -3051,9 +3051,9 @@
           <a:bodyPr/>
           <a:lstStyle/>
           <a:p>
-            <a:fld id="{B6908C58-080D-8B49-A475-4BAFFCC3ADB3}" type="datetime1">
+            <a:fld id="{05FC522A-417E-D24B-989A-3616C1F96A1A}" type="datetime1">
               <a:rPr lang="en-US" smtClean="0"/>
-              <a:t>7/9/21</a:t>
+              <a:t>5/29/23</a:t>
             </a:fld>
             <a:endParaRPr lang="en-US" dirty="0"/>
           </a:p>
@@ -3084,7 +3084,7 @@
           <a:p>
             <a:r>
               <a:rPr lang="en-US"/>
-              <a:t>Copyright 2021, FLLTutorials.com</a:t>
+              <a:t>Copyright 2023, FLLTutorials.com. Last edit 5/29/2023</a:t>
             </a:r>
             <a:endParaRPr lang="en-US" dirty="0"/>
           </a:p>
@@ -3175,9 +3175,9 @@
           <a:bodyPr/>
           <a:lstStyle/>
           <a:p>
-            <a:fld id="{51917781-4721-C54B-B713-377DE9897CFE}" type="datetime1">
+            <a:fld id="{58B5D770-D3FF-2E40-BA8B-D1364EC9A0D0}" type="datetime1">
               <a:rPr lang="en-US" smtClean="0"/>
-              <a:t>7/9/21</a:t>
+              <a:t>5/29/23</a:t>
             </a:fld>
             <a:endParaRPr lang="en-US" dirty="0"/>
           </a:p>
@@ -3208,7 +3208,7 @@
           <a:p>
             <a:r>
               <a:rPr lang="en-US"/>
-              <a:t>Copyright 2021, FLLTutorials.com</a:t>
+              <a:t>Copyright 2023, FLLTutorials.com. Last edit 5/29/2023</a:t>
             </a:r>
             <a:endParaRPr lang="en-US" dirty="0"/>
           </a:p>
@@ -3582,9 +3582,9 @@
             </a:lvl1pPr>
           </a:lstStyle>
           <a:p>
-            <a:fld id="{6207F0C9-91B4-AE46-8912-04E0300F4F53}" type="datetime1">
+            <a:fld id="{1CCD102A-585F-9C42-A507-18A88491FA38}" type="datetime1">
               <a:rPr lang="en-US" smtClean="0"/>
-              <a:t>7/9/21</a:t>
+              <a:t>5/29/23</a:t>
             </a:fld>
             <a:endParaRPr lang="en-US" dirty="0"/>
           </a:p>
@@ -3626,7 +3626,7 @@
           <a:p>
             <a:r>
               <a:rPr lang="en-US"/>
-              <a:t>Copyright 2021, FLLTutorials.com</a:t>
+              <a:t>Copyright 2023, FLLTutorials.com. Last edit 5/29/2023</a:t>
             </a:r>
             <a:endParaRPr lang="en-US" dirty="0"/>
           </a:p>
@@ -3900,9 +3900,9 @@
           <a:bodyPr/>
           <a:lstStyle/>
           <a:p>
-            <a:fld id="{F007C38C-7F97-3546-AF2F-51FFBC44C539}" type="datetime1">
+            <a:fld id="{327577A0-87DC-7041-9CBC-4A8376348E9B}" type="datetime1">
               <a:rPr lang="en-US" smtClean="0"/>
-              <a:t>7/9/21</a:t>
+              <a:t>5/29/23</a:t>
             </a:fld>
             <a:endParaRPr lang="en-US" dirty="0"/>
           </a:p>
@@ -3933,7 +3933,7 @@
           <a:p>
             <a:r>
               <a:rPr lang="en-US"/>
-              <a:t>Copyright 2021, FLLTutorials.com</a:t>
+              <a:t>Copyright 2023, FLLTutorials.com. Last edit 5/29/2023</a:t>
             </a:r>
             <a:endParaRPr lang="en-US" dirty="0"/>
           </a:p>
@@ -4260,9 +4260,9 @@
               <a:rPr lang="en-US"/>
               <a:t>: </a:t>
             </a:r>
-            <a:fld id="{6A22C9EA-39EB-964C-8EE8-519F86F882DD}" type="datetime1">
+            <a:fld id="{D97B21AC-2D37-8743-9C99-4AB3C99C0184}" type="datetime1">
               <a:rPr lang="en-US" smtClean="0"/>
-              <a:t>7/9/21</a:t>
+              <a:t>5/29/23</a:t>
             </a:fld>
             <a:endParaRPr lang="en-US" dirty="0"/>
           </a:p>
@@ -4310,7 +4310,7 @@
           <a:p>
             <a:r>
               <a:rPr lang="en-US"/>
-              <a:t>Copyright 2021, FLLTutorials.com</a:t>
+              <a:t>Copyright 2023, FLLTutorials.com. Last edit 5/29/2023</a:t>
             </a:r>
             <a:endParaRPr lang="en-US" dirty="0"/>
           </a:p>
@@ -4839,7 +4839,7 @@
           <a:p>
             <a:r>
               <a:rPr lang="en-US" dirty="0"/>
-              <a:t>FRC 8027</a:t>
+              <a:t>SANJAY &amp; ARVIND SESHAN</a:t>
             </a:r>
           </a:p>
         </p:txBody>
@@ -4925,7 +4925,7 @@
           <a:p>
             <a:r>
               <a:rPr lang="en-US"/>
-              <a:t>Copyright 2021, FLLTutorials.com</a:t>
+              <a:t>Copyright 2023, FLLTutorials.com. Last edit 5/29/2023</a:t>
             </a:r>
             <a:endParaRPr lang="en-US" dirty="0"/>
           </a:p>
@@ -5089,7 +5089,7 @@
           <a:p>
             <a:r>
               <a:rPr lang="en-US"/>
-              <a:t>Copyright 2021, FLLTutorials.com</a:t>
+              <a:t>Copyright 2023, FLLTutorials.com. Last edit 5/29/2023</a:t>
             </a:r>
             <a:endParaRPr lang="en-US" dirty="0"/>
           </a:p>
@@ -5271,12 +5271,8 @@
           <a:lstStyle/>
           <a:p>
             <a:r>
-              <a:rPr lang="en-US" dirty="0"/>
-              <a:t>Copyright 2021, </a:t>
-            </a:r>
-            <a:r>
-              <a:rPr lang="en-US" dirty="0" err="1"/>
-              <a:t>FLLTutorials.com</a:t>
+              <a:rPr lang="en-US"/>
+              <a:t>Copyright 2023, FLLTutorials.com. Last edit 5/29/2023</a:t>
             </a:r>
             <a:endParaRPr lang="en-US" dirty="0"/>
           </a:p>
@@ -6541,7 +6537,7 @@
           <a:p>
             <a:r>
               <a:rPr lang="en-US"/>
-              <a:t>Copyright 2021, FLLTutorials.com</a:t>
+              <a:t>Copyright 2023, FLLTutorials.com. Last edit 5/29/2023</a:t>
             </a:r>
             <a:endParaRPr lang="en-US" dirty="0"/>
           </a:p>
@@ -7010,7 +7006,7 @@
           <a:p>
             <a:r>
               <a:rPr lang="en-US"/>
-              <a:t>Copyright 2021, FLLTutorials.com</a:t>
+              <a:t>Copyright 2023, FLLTutorials.com. Last edit 5/29/2023</a:t>
             </a:r>
             <a:endParaRPr lang="en-US" dirty="0"/>
           </a:p>
@@ -7334,7 +7330,7 @@
           <a:p>
             <a:r>
               <a:rPr lang="en-US"/>
-              <a:t>Copyright 2021, FLLTutorials.com</a:t>
+              <a:t>Copyright 2023, FLLTutorials.com. Last edit 5/29/2023</a:t>
             </a:r>
             <a:endParaRPr lang="en-US" dirty="0"/>
           </a:p>
